--- a/Group 3 – FINANCIAL ANALYSIS.pptx
+++ b/Group 3 – FINANCIAL ANALYSIS.pptx
@@ -4094,9 +4094,57 @@
           </a:p>
         </p:txBody>
       </p:sp>
+      <p:sp>
+        <p:nvSpPr>
+          <p:cNvPr id="3" name="TextBox 2"/>
+          <p:cNvSpPr txBox="1"/>
+          <p:nvPr/>
+        </p:nvSpPr>
+        <p:spPr>
+          <a:xfrm>
+            <a:off x="9271001" y="1418503"/>
+            <a:ext cx="2684378" cy="3139321"/>
+          </a:xfrm>
+          <a:prstGeom prst="rect">
+            <a:avLst/>
+          </a:prstGeom>
+          <a:noFill/>
+        </p:spPr>
+        <p:txBody>
+          <a:bodyPr wrap="square" rtlCol="0">
+            <a:spAutoFit/>
+          </a:bodyPr>
+          <a:lstStyle/>
+          <a:p>
+            <a:r>
+              <a:rPr lang="en-US" u="sng" dirty="0" smtClean="0"/>
+              <a:t>Assumptions:</a:t>
+            </a:r>
+          </a:p>
+          <a:p>
+            <a:endParaRPr lang="en-US" u="sng" dirty="0"/>
+          </a:p>
+          <a:p>
+            <a:r>
+              <a:rPr lang="en-US" dirty="0" smtClean="0"/>
+              <a:t>The original opening price was found and then compared to the closing price 12, 24, 36, 48 and 60 months later.</a:t>
+            </a:r>
+          </a:p>
+          <a:p>
+            <a:endParaRPr lang="en-US" dirty="0"/>
+          </a:p>
+          <a:p>
+            <a:r>
+              <a:rPr lang="en-US" dirty="0" smtClean="0"/>
+              <a:t>NB - ACI has not been traded in it’s current form for 60 months.</a:t>
+            </a:r>
+            <a:endParaRPr lang="en-GB" dirty="0"/>
+          </a:p>
+        </p:txBody>
+      </p:sp>
       <p:pic>
         <p:nvPicPr>
-          <p:cNvPr id="4" name="Picture 3"/>
+          <p:cNvPr id="6" name="Picture 5"/>
           <p:cNvPicPr>
             <a:picLocks noChangeAspect="1"/>
           </p:cNvPicPr>
@@ -4110,62 +4158,14 @@
         </p:blipFill>
         <p:spPr>
           <a:xfrm>
-            <a:off x="316832" y="1167063"/>
-            <a:ext cx="8954168" cy="5524500"/>
+            <a:off x="397042" y="1236174"/>
+            <a:ext cx="8764801" cy="5113825"/>
           </a:xfrm>
           <a:prstGeom prst="rect">
             <a:avLst/>
           </a:prstGeom>
         </p:spPr>
       </p:pic>
-      <p:sp>
-        <p:nvSpPr>
-          <p:cNvPr id="3" name="TextBox 2"/>
-          <p:cNvSpPr txBox="1"/>
-          <p:nvPr/>
-        </p:nvSpPr>
-        <p:spPr>
-          <a:xfrm>
-            <a:off x="9271001" y="1418503"/>
-            <a:ext cx="2684378" cy="3139321"/>
-          </a:xfrm>
-          <a:prstGeom prst="rect">
-            <a:avLst/>
-          </a:prstGeom>
-          <a:noFill/>
-        </p:spPr>
-        <p:txBody>
-          <a:bodyPr wrap="square" rtlCol="0">
-            <a:spAutoFit/>
-          </a:bodyPr>
-          <a:lstStyle/>
-          <a:p>
-            <a:r>
-              <a:rPr lang="en-US" u="sng" dirty="0" smtClean="0"/>
-              <a:t>Assumptions:</a:t>
-            </a:r>
-          </a:p>
-          <a:p>
-            <a:endParaRPr lang="en-US" u="sng" dirty="0"/>
-          </a:p>
-          <a:p>
-            <a:r>
-              <a:rPr lang="en-US" dirty="0" smtClean="0"/>
-              <a:t>The original opening price was found and then compared to the closing price 12, 24, 36, 48 and 60 months later.</a:t>
-            </a:r>
-          </a:p>
-          <a:p>
-            <a:endParaRPr lang="en-US" dirty="0"/>
-          </a:p>
-          <a:p>
-            <a:r>
-              <a:rPr lang="en-US" dirty="0" smtClean="0"/>
-              <a:t>NB - ACI has not been traded in it’s current form for 60 months.</a:t>
-            </a:r>
-            <a:endParaRPr lang="en-GB" dirty="0"/>
-          </a:p>
-        </p:txBody>
-      </p:sp>
     </p:spTree>
     <p:extLst>
       <p:ext uri="{BB962C8B-B14F-4D97-AF65-F5344CB8AC3E}">
@@ -5996,13 +5996,8 @@
             </a:pPr>
             <a:r>
               <a:rPr lang="en-US" dirty="0" smtClean="0"/>
-              <a:t>   						      </a:t>
-            </a:r>
-            <a:r>
-              <a:rPr lang="en-US" dirty="0" smtClean="0"/>
-              <a:t>Time</a:t>
-            </a:r>
-            <a:endParaRPr lang="en-US" dirty="0" smtClean="0"/>
+              <a:t>   						      Time</a:t>
+            </a:r>
           </a:p>
           <a:p>
             <a:endParaRPr lang="en-US" dirty="0"/>
@@ -6244,7 +6239,7 @@
         <p:spPr/>
         <p:txBody>
           <a:bodyPr>
-            <a:normAutofit fontScale="92500" lnSpcReduction="20000"/>
+            <a:normAutofit fontScale="85000" lnSpcReduction="10000"/>
           </a:bodyPr>
           <a:lstStyle/>
           <a:p>
@@ -6269,6 +6264,28 @@
             <a:r>
               <a:rPr lang="en-US" dirty="0" smtClean="0"/>
               <a:t>Does any of the stock have a greater degree of risk associated with it than the others?</a:t>
+            </a:r>
+            <a:endParaRPr lang="en-US" dirty="0"/>
+          </a:p>
+          <a:p>
+            <a:pPr marL="0" indent="0">
+              <a:buNone/>
+            </a:pPr>
+            <a:endParaRPr lang="en-US" dirty="0"/>
+          </a:p>
+          <a:p>
+            <a:r>
+              <a:rPr lang="en-US" dirty="0" smtClean="0"/>
+              <a:t>Which stock gives us the greatest return on investment?</a:t>
+            </a:r>
+          </a:p>
+          <a:p>
+            <a:endParaRPr lang="en-US" dirty="0"/>
+          </a:p>
+          <a:p>
+            <a:r>
+              <a:rPr lang="en-US" dirty="0" smtClean="0"/>
+              <a:t>Is past financial performance a true indicator or future financial performance?</a:t>
             </a:r>
           </a:p>
           <a:p>
@@ -6281,25 +6298,6 @@
             </a:r>
           </a:p>
           <a:p>
-            <a:pPr marL="0" indent="0">
-              <a:buNone/>
-            </a:pPr>
-            <a:endParaRPr lang="en-US" dirty="0"/>
-          </a:p>
-          <a:p>
-            <a:r>
-              <a:rPr lang="en-US" dirty="0" smtClean="0"/>
-              <a:t>Which stock gives us the greatest return on investment?</a:t>
-            </a:r>
-          </a:p>
-          <a:p>
-            <a:endParaRPr lang="en-US" dirty="0"/>
-          </a:p>
-          <a:p>
-            <a:r>
-              <a:rPr lang="en-US" dirty="0" smtClean="0"/>
-              <a:t>Is past financial performance a true indicator or future financial performance?</a:t>
-            </a:r>
             <a:endParaRPr lang="en-GB" dirty="0"/>
           </a:p>
         </p:txBody>
@@ -6698,11 +6696,7 @@
           <a:p>
             <a:r>
               <a:rPr lang="en-US" dirty="0" smtClean="0"/>
-              <a:t>NB </a:t>
-            </a:r>
-            <a:r>
-              <a:rPr lang="en-US" dirty="0" smtClean="0"/>
-              <a:t>– Albertsons has only been trading in its current form since Mid 2020</a:t>
+              <a:t>NB – Albertsons has only been trading in its current form since Mid 2020</a:t>
             </a:r>
             <a:endParaRPr lang="en-GB" dirty="0"/>
           </a:p>
